--- a/prezentacije/1-6 Twitter Bootstrap.pptx
+++ b/prezentacije/1-6 Twitter Bootstrap.pptx
@@ -124,6 +124,11 @@
       </a:defRPr>
     </a:lvl9pPr>
   </p:defaultTextStyle>
+  <p:extLst>
+    <p:ext uri="{EFAFB233-063F-42B5-8137-9DF3F51BA10A}">
+      <p15:sldGuideLst xmlns:p15="http://schemas.microsoft.com/office/powerpoint/2012/main"/>
+    </p:ext>
+  </p:extLst>
 </p:presentation>
 </file>
 
@@ -209,7 +214,7 @@
           <a:p>
             <a:fld id="{5BD37133-212B-4EC5-ABE7-5EB89620A90F}" type="datetimeFigureOut">
               <a:rPr lang="hr-HR" smtClean="0"/>
-              <a:t>1.5.2017.</a:t>
+              <a:t>2.5.2017.</a:t>
             </a:fld>
             <a:endParaRPr lang="hr-HR"/>
           </a:p>
@@ -1160,7 +1165,7 @@
           <a:p>
             <a:fld id="{8CEB1108-692E-4196-B804-429F4B9F5234}" type="datetimeFigureOut">
               <a:rPr lang="hr-HR" smtClean="0"/>
-              <a:t>1.5.2017.</a:t>
+              <a:t>2.5.2017.</a:t>
             </a:fld>
             <a:endParaRPr lang="hr-HR"/>
           </a:p>
@@ -1330,7 +1335,7 @@
           <a:p>
             <a:fld id="{8CEB1108-692E-4196-B804-429F4B9F5234}" type="datetimeFigureOut">
               <a:rPr lang="hr-HR" smtClean="0"/>
-              <a:t>1.5.2017.</a:t>
+              <a:t>2.5.2017.</a:t>
             </a:fld>
             <a:endParaRPr lang="hr-HR"/>
           </a:p>
@@ -1510,7 +1515,7 @@
           <a:p>
             <a:fld id="{8CEB1108-692E-4196-B804-429F4B9F5234}" type="datetimeFigureOut">
               <a:rPr lang="hr-HR" smtClean="0"/>
-              <a:t>1.5.2017.</a:t>
+              <a:t>2.5.2017.</a:t>
             </a:fld>
             <a:endParaRPr lang="hr-HR"/>
           </a:p>
@@ -1680,7 +1685,7 @@
           <a:p>
             <a:fld id="{8CEB1108-692E-4196-B804-429F4B9F5234}" type="datetimeFigureOut">
               <a:rPr lang="hr-HR" smtClean="0"/>
-              <a:t>1.5.2017.</a:t>
+              <a:t>2.5.2017.</a:t>
             </a:fld>
             <a:endParaRPr lang="hr-HR"/>
           </a:p>
@@ -1926,7 +1931,7 @@
           <a:p>
             <a:fld id="{8CEB1108-692E-4196-B804-429F4B9F5234}" type="datetimeFigureOut">
               <a:rPr lang="hr-HR" smtClean="0"/>
-              <a:t>1.5.2017.</a:t>
+              <a:t>2.5.2017.</a:t>
             </a:fld>
             <a:endParaRPr lang="hr-HR"/>
           </a:p>
@@ -2158,7 +2163,7 @@
           <a:p>
             <a:fld id="{8CEB1108-692E-4196-B804-429F4B9F5234}" type="datetimeFigureOut">
               <a:rPr lang="hr-HR" smtClean="0"/>
-              <a:t>1.5.2017.</a:t>
+              <a:t>2.5.2017.</a:t>
             </a:fld>
             <a:endParaRPr lang="hr-HR"/>
           </a:p>
@@ -2525,7 +2530,7 @@
           <a:p>
             <a:fld id="{8CEB1108-692E-4196-B804-429F4B9F5234}" type="datetimeFigureOut">
               <a:rPr lang="hr-HR" smtClean="0"/>
-              <a:t>1.5.2017.</a:t>
+              <a:t>2.5.2017.</a:t>
             </a:fld>
             <a:endParaRPr lang="hr-HR"/>
           </a:p>
@@ -2643,7 +2648,7 @@
           <a:p>
             <a:fld id="{8CEB1108-692E-4196-B804-429F4B9F5234}" type="datetimeFigureOut">
               <a:rPr lang="hr-HR" smtClean="0"/>
-              <a:t>1.5.2017.</a:t>
+              <a:t>2.5.2017.</a:t>
             </a:fld>
             <a:endParaRPr lang="hr-HR"/>
           </a:p>
@@ -2738,7 +2743,7 @@
           <a:p>
             <a:fld id="{8CEB1108-692E-4196-B804-429F4B9F5234}" type="datetimeFigureOut">
               <a:rPr lang="hr-HR" smtClean="0"/>
-              <a:t>1.5.2017.</a:t>
+              <a:t>2.5.2017.</a:t>
             </a:fld>
             <a:endParaRPr lang="hr-HR"/>
           </a:p>
@@ -3015,7 +3020,7 @@
           <a:p>
             <a:fld id="{8CEB1108-692E-4196-B804-429F4B9F5234}" type="datetimeFigureOut">
               <a:rPr lang="hr-HR" smtClean="0"/>
-              <a:t>1.5.2017.</a:t>
+              <a:t>2.5.2017.</a:t>
             </a:fld>
             <a:endParaRPr lang="hr-HR"/>
           </a:p>
@@ -3268,7 +3273,7 @@
           <a:p>
             <a:fld id="{8CEB1108-692E-4196-B804-429F4B9F5234}" type="datetimeFigureOut">
               <a:rPr lang="hr-HR" smtClean="0"/>
-              <a:t>1.5.2017.</a:t>
+              <a:t>2.5.2017.</a:t>
             </a:fld>
             <a:endParaRPr lang="hr-HR"/>
           </a:p>
@@ -3481,7 +3486,7 @@
           <a:p>
             <a:fld id="{8CEB1108-692E-4196-B804-429F4B9F5234}" type="datetimeFigureOut">
               <a:rPr lang="hr-HR" smtClean="0"/>
-              <a:t>1.5.2017.</a:t>
+              <a:t>2.5.2017.</a:t>
             </a:fld>
             <a:endParaRPr lang="hr-HR"/>
           </a:p>
@@ -3908,7 +3913,7 @@
           <a:p>
             <a:r>
               <a:rPr lang="hr-HR" dirty="0" smtClean="0"/>
-              <a:t>Twitter </a:t>
+              <a:t>1-6 Twitter </a:t>
             </a:r>
             <a:r>
               <a:rPr lang="hr-HR" dirty="0" err="1" smtClean="0"/>
@@ -3935,8 +3940,31 @@
           </a:xfrm>
         </p:spPr>
         <p:txBody>
-          <a:bodyPr/>
-          <a:lstStyle/>
+          <a:bodyPr>
+            <a:normAutofit lnSpcReduction="10000"/>
+          </a:bodyPr>
+          <a:lstStyle/>
+          <a:p>
+            <a:r>
+              <a:rPr lang="hr-HR" dirty="0"/>
+              <a:t>Maro Marčinko</a:t>
+            </a:r>
+          </a:p>
+          <a:p>
+            <a:r>
+              <a:rPr lang="hr-HR" dirty="0"/>
+              <a:t>Matija Hrženjak</a:t>
+            </a:r>
+          </a:p>
+          <a:p>
+            <a:endParaRPr lang="hr-HR" dirty="0"/>
+          </a:p>
+          <a:p>
+            <a:r>
+              <a:rPr lang="hr-HR" dirty="0"/>
+              <a:t>IN2, 2017.</a:t>
+            </a:r>
+          </a:p>
           <a:p>
             <a:endParaRPr lang="hr-HR" dirty="0"/>
           </a:p>
@@ -4760,7 +4788,6 @@
               <a:rPr lang="hr-HR" dirty="0" smtClean="0"/>
               <a:t>)</a:t>
             </a:r>
-            <a:endParaRPr lang="hr-HR" dirty="0" smtClean="0"/>
           </a:p>
           <a:p>
             <a:r>
@@ -4998,7 +5025,6 @@
               <a:rPr lang="hr-HR" dirty="0" smtClean="0"/>
               <a:t>, Twitter, 2011</a:t>
             </a:r>
-            <a:endParaRPr lang="hr-HR" dirty="0" smtClean="0"/>
           </a:p>
           <a:p>
             <a:pPr lvl="1"/>
@@ -5469,11 +5495,7 @@
           <a:p>
             <a:r>
               <a:rPr lang="hr-HR" dirty="0" smtClean="0"/>
-              <a:t>Grid </a:t>
-            </a:r>
-            <a:r>
-              <a:rPr lang="hr-HR" dirty="0" smtClean="0"/>
-              <a:t>system</a:t>
+              <a:t>Grid system</a:t>
             </a:r>
             <a:endParaRPr lang="hr-HR" dirty="0"/>
           </a:p>

--- a/prezentacije/1-6 Twitter Bootstrap.pptx
+++ b/prezentacije/1-6 Twitter Bootstrap.pptx
@@ -5,7 +5,7 @@
     <p:sldMasterId id="2147483648" r:id="rId1"/>
   </p:sldMasterIdLst>
   <p:notesMasterIdLst>
-    <p:notesMasterId r:id="rId20"/>
+    <p:notesMasterId r:id="rId22"/>
   </p:notesMasterIdLst>
   <p:sldIdLst>
     <p:sldId id="256" r:id="rId2"/>
@@ -15,17 +15,19 @@
     <p:sldId id="259" r:id="rId6"/>
     <p:sldId id="260" r:id="rId7"/>
     <p:sldId id="263" r:id="rId8"/>
-    <p:sldId id="264" r:id="rId9"/>
-    <p:sldId id="265" r:id="rId10"/>
-    <p:sldId id="266" r:id="rId11"/>
-    <p:sldId id="267" r:id="rId12"/>
-    <p:sldId id="268" r:id="rId13"/>
-    <p:sldId id="269" r:id="rId14"/>
-    <p:sldId id="270" r:id="rId15"/>
-    <p:sldId id="271" r:id="rId16"/>
-    <p:sldId id="272" r:id="rId17"/>
-    <p:sldId id="273" r:id="rId18"/>
-    <p:sldId id="274" r:id="rId19"/>
+    <p:sldId id="275" r:id="rId9"/>
+    <p:sldId id="276" r:id="rId10"/>
+    <p:sldId id="264" r:id="rId11"/>
+    <p:sldId id="265" r:id="rId12"/>
+    <p:sldId id="266" r:id="rId13"/>
+    <p:sldId id="267" r:id="rId14"/>
+    <p:sldId id="268" r:id="rId15"/>
+    <p:sldId id="269" r:id="rId16"/>
+    <p:sldId id="270" r:id="rId17"/>
+    <p:sldId id="271" r:id="rId18"/>
+    <p:sldId id="272" r:id="rId19"/>
+    <p:sldId id="273" r:id="rId20"/>
+    <p:sldId id="274" r:id="rId21"/>
   </p:sldIdLst>
   <p:sldSz cx="12192000" cy="6858000"/>
   <p:notesSz cx="6858000" cy="9144000"/>
@@ -1025,6 +1027,94 @@
     <p:extLst>
       <p:ext uri="{BB962C8B-B14F-4D97-AF65-F5344CB8AC3E}">
         <p14:creationId xmlns:p14="http://schemas.microsoft.com/office/powerpoint/2010/main" val="337196739"/>
+      </p:ext>
+    </p:extLst>
+  </p:cSld>
+  <p:clrMapOvr>
+    <a:masterClrMapping/>
+  </p:clrMapOvr>
+</p:notes>
+</file>
+
+<file path=ppt/notesSlides/notesSlide7.xml><?xml version="1.0" encoding="utf-8"?>
+<p:notes xmlns:a="http://schemas.openxmlformats.org/drawingml/2006/main" xmlns:r="http://schemas.openxmlformats.org/officeDocument/2006/relationships" xmlns:p="http://schemas.openxmlformats.org/presentationml/2006/main">
+  <p:cSld>
+    <p:spTree>
+      <p:nvGrpSpPr>
+        <p:cNvPr id="1" name=""/>
+        <p:cNvGrpSpPr/>
+        <p:nvPr/>
+      </p:nvGrpSpPr>
+      <p:grpSpPr>
+        <a:xfrm>
+          <a:off x="0" y="0"/>
+          <a:ext cx="0" cy="0"/>
+          <a:chOff x="0" y="0"/>
+          <a:chExt cx="0" cy="0"/>
+        </a:xfrm>
+      </p:grpSpPr>
+      <p:sp>
+        <p:nvSpPr>
+          <p:cNvPr id="2" name="Slide Image Placeholder 1"/>
+          <p:cNvSpPr>
+            <a:spLocks noGrp="1" noRot="1" noChangeAspect="1"/>
+          </p:cNvSpPr>
+          <p:nvPr>
+            <p:ph type="sldImg"/>
+          </p:nvPr>
+        </p:nvSpPr>
+        <p:spPr/>
+      </p:sp>
+      <p:sp>
+        <p:nvSpPr>
+          <p:cNvPr id="3" name="Notes Placeholder 2"/>
+          <p:cNvSpPr>
+            <a:spLocks noGrp="1"/>
+          </p:cNvSpPr>
+          <p:nvPr>
+            <p:ph type="body" idx="1"/>
+          </p:nvPr>
+        </p:nvSpPr>
+        <p:spPr/>
+        <p:txBody>
+          <a:bodyPr/>
+          <a:lstStyle/>
+          <a:p>
+            <a:r>
+              <a:rPr lang="hr-HR" dirty="0" smtClean="0"/>
+              <a:t>Odgovor: &lt;table&gt;</a:t>
+            </a:r>
+            <a:endParaRPr lang="hr-HR" dirty="0"/>
+          </a:p>
+        </p:txBody>
+      </p:sp>
+      <p:sp>
+        <p:nvSpPr>
+          <p:cNvPr id="4" name="Slide Number Placeholder 3"/>
+          <p:cNvSpPr>
+            <a:spLocks noGrp="1"/>
+          </p:cNvSpPr>
+          <p:nvPr>
+            <p:ph type="sldNum" sz="quarter" idx="10"/>
+          </p:nvPr>
+        </p:nvSpPr>
+        <p:spPr/>
+        <p:txBody>
+          <a:bodyPr/>
+          <a:lstStyle/>
+          <a:p>
+            <a:fld id="{5D65CC48-AD28-4B9E-A666-4D5DD97E9F66}" type="slidenum">
+              <a:rPr lang="hr-HR" smtClean="0"/>
+              <a:t>8</a:t>
+            </a:fld>
+            <a:endParaRPr lang="hr-HR"/>
+          </a:p>
+        </p:txBody>
+      </p:sp>
+    </p:spTree>
+    <p:extLst>
+      <p:ext uri="{BB962C8B-B14F-4D97-AF65-F5344CB8AC3E}">
+        <p14:creationId xmlns:p14="http://schemas.microsoft.com/office/powerpoint/2010/main" val="3891414471"/>
       </p:ext>
     </p:extLst>
   </p:cSld>
@@ -4047,7 +4137,7 @@
           <a:p>
             <a:r>
               <a:rPr lang="hr-HR" dirty="0" err="1" smtClean="0"/>
-              <a:t>Tables</a:t>
+              <a:t>Layout</a:t>
             </a:r>
             <a:endParaRPr lang="hr-HR" dirty="0"/>
           </a:p>
@@ -4067,6 +4157,80 @@
         <p:txBody>
           <a:bodyPr/>
           <a:lstStyle/>
+          <a:p>
+            <a:r>
+              <a:rPr lang="hr-HR" dirty="0" smtClean="0"/>
+              <a:t>Fluid</a:t>
+            </a:r>
+          </a:p>
+          <a:p>
+            <a:pPr lvl="1"/>
+            <a:r>
+              <a:rPr lang="hr-HR" dirty="0" smtClean="0"/>
+              <a:t>Iskorištava cijelu širinu ekrana</a:t>
+            </a:r>
+          </a:p>
+          <a:p>
+            <a:pPr lvl="1"/>
+            <a:r>
+              <a:rPr lang="hr-HR" dirty="0">
+                <a:hlinkClick r:id="rId2"/>
+              </a:rPr>
+              <a:t>http://getbootstrap.com/examples/dashboard</a:t>
+            </a:r>
+            <a:r>
+              <a:rPr lang="hr-HR" dirty="0" smtClean="0">
+                <a:hlinkClick r:id="rId2"/>
+              </a:rPr>
+              <a:t>/</a:t>
+            </a:r>
+            <a:endParaRPr lang="hr-HR" dirty="0" smtClean="0"/>
+          </a:p>
+          <a:p>
+            <a:pPr lvl="1"/>
+            <a:endParaRPr lang="hr-HR" dirty="0" smtClean="0"/>
+          </a:p>
+          <a:p>
+            <a:r>
+              <a:rPr lang="hr-HR" dirty="0" err="1" smtClean="0"/>
+              <a:t>Fixed</a:t>
+            </a:r>
+            <a:endParaRPr lang="hr-HR" dirty="0" smtClean="0"/>
+          </a:p>
+          <a:p>
+            <a:pPr lvl="1"/>
+            <a:r>
+              <a:rPr lang="hr-HR" dirty="0" smtClean="0"/>
+              <a:t>Ima određenu maksimalnu širinu</a:t>
+            </a:r>
+          </a:p>
+          <a:p>
+            <a:pPr lvl="1"/>
+            <a:r>
+              <a:rPr lang="hr-HR" dirty="0" smtClean="0"/>
+              <a:t>Ako je ekran veći, sadržaj se centrira, a okolni prostor ostaje prazan</a:t>
+            </a:r>
+          </a:p>
+          <a:p>
+            <a:pPr lvl="1"/>
+            <a:r>
+              <a:rPr lang="hr-HR" dirty="0">
+                <a:hlinkClick r:id="rId3"/>
+              </a:rPr>
+              <a:t>http://getbootstrap.com/examples/blog</a:t>
+            </a:r>
+            <a:r>
+              <a:rPr lang="hr-HR" dirty="0" smtClean="0">
+                <a:hlinkClick r:id="rId3"/>
+              </a:rPr>
+              <a:t>/</a:t>
+            </a:r>
+            <a:endParaRPr lang="hr-HR" dirty="0" smtClean="0"/>
+          </a:p>
+          <a:p>
+            <a:pPr lvl="1"/>
+            <a:endParaRPr lang="hr-HR" dirty="0" smtClean="0"/>
+          </a:p>
           <a:p>
             <a:pPr marL="0" indent="0">
               <a:buNone/>
@@ -4078,7 +4242,7 @@
     </p:spTree>
     <p:extLst>
       <p:ext uri="{BB962C8B-B14F-4D97-AF65-F5344CB8AC3E}">
-        <p14:creationId xmlns:p14="http://schemas.microsoft.com/office/powerpoint/2010/main" val="2212421900"/>
+        <p14:creationId xmlns:p14="http://schemas.microsoft.com/office/powerpoint/2010/main" val="1252097821"/>
       </p:ext>
     </p:extLst>
   </p:cSld>
@@ -4122,7 +4286,7 @@
           <a:p>
             <a:r>
               <a:rPr lang="hr-HR" dirty="0" err="1" smtClean="0"/>
-              <a:t>Forms</a:t>
+              <a:t>Typography</a:t>
             </a:r>
             <a:endParaRPr lang="hr-HR" dirty="0"/>
           </a:p>
@@ -4138,22 +4302,84 @@
             <p:ph idx="1"/>
           </p:nvPr>
         </p:nvSpPr>
-        <p:spPr/>
-        <p:txBody>
-          <a:bodyPr/>
-          <a:lstStyle/>
-          <a:p>
-            <a:pPr marL="0" indent="0">
-              <a:buNone/>
-            </a:pPr>
+        <p:spPr>
+          <a:xfrm>
+            <a:off x="838200" y="1825625"/>
+            <a:ext cx="5305425" cy="4351338"/>
+          </a:xfrm>
+        </p:spPr>
+        <p:txBody>
+          <a:bodyPr/>
+          <a:lstStyle/>
+          <a:p>
+            <a:r>
+              <a:rPr lang="hr-HR" dirty="0" smtClean="0"/>
+              <a:t>Upravljanje izgledom teksta</a:t>
+            </a:r>
+          </a:p>
+          <a:p>
+            <a:r>
+              <a:rPr lang="hr-HR" dirty="0" smtClean="0"/>
+              <a:t>Standardna veličina teksta u </a:t>
+            </a:r>
+            <a:r>
+              <a:rPr lang="hr-HR" dirty="0" err="1" smtClean="0"/>
+              <a:t>Bootstrapu</a:t>
+            </a:r>
+            <a:r>
+              <a:rPr lang="hr-HR" dirty="0" smtClean="0"/>
+              <a:t> iznosi 14 </a:t>
+            </a:r>
+            <a:r>
+              <a:rPr lang="hr-HR" dirty="0" err="1" smtClean="0"/>
+              <a:t>px</a:t>
+            </a:r>
+            <a:endParaRPr lang="hr-HR" dirty="0" smtClean="0"/>
+          </a:p>
+          <a:p>
+            <a:r>
+              <a:rPr lang="hr-HR" dirty="0" smtClean="0"/>
+              <a:t>Razmak između blokova teksta je 10 </a:t>
+            </a:r>
+            <a:r>
+              <a:rPr lang="hr-HR" dirty="0" err="1" smtClean="0"/>
+              <a:t>px</a:t>
+            </a:r>
+            <a:endParaRPr lang="hr-HR" dirty="0" smtClean="0"/>
+          </a:p>
+          <a:p>
             <a:endParaRPr lang="hr-HR" dirty="0"/>
           </a:p>
         </p:txBody>
       </p:sp>
+      <p:pic>
+        <p:nvPicPr>
+          <p:cNvPr id="4" name="Picture 3"/>
+          <p:cNvPicPr>
+            <a:picLocks noChangeAspect="1"/>
+          </p:cNvPicPr>
+          <p:nvPr/>
+        </p:nvPicPr>
+        <p:blipFill>
+          <a:blip r:embed="rId2"/>
+          <a:stretch>
+            <a:fillRect/>
+          </a:stretch>
+        </p:blipFill>
+        <p:spPr>
+          <a:xfrm>
+            <a:off x="6224587" y="1671638"/>
+            <a:ext cx="5305425" cy="4505325"/>
+          </a:xfrm>
+          <a:prstGeom prst="rect">
+            <a:avLst/>
+          </a:prstGeom>
+        </p:spPr>
+      </p:pic>
     </p:spTree>
     <p:extLst>
       <p:ext uri="{BB962C8B-B14F-4D97-AF65-F5344CB8AC3E}">
-        <p14:creationId xmlns:p14="http://schemas.microsoft.com/office/powerpoint/2010/main" val="678028404"/>
+        <p14:creationId xmlns:p14="http://schemas.microsoft.com/office/powerpoint/2010/main" val="104565353"/>
       </p:ext>
     </p:extLst>
   </p:cSld>
@@ -4197,38 +4423,66 @@
           <a:p>
             <a:r>
               <a:rPr lang="hr-HR" dirty="0" err="1" smtClean="0"/>
-              <a:t>Images</a:t>
+              <a:t>Tables</a:t>
             </a:r>
             <a:endParaRPr lang="hr-HR" dirty="0"/>
           </a:p>
         </p:txBody>
       </p:sp>
-      <p:sp>
-        <p:nvSpPr>
-          <p:cNvPr id="3" name="Content Placeholder 2"/>
-          <p:cNvSpPr>
-            <a:spLocks noGrp="1"/>
-          </p:cNvSpPr>
+      <p:pic>
+        <p:nvPicPr>
+          <p:cNvPr id="5" name="Content Placeholder 4"/>
+          <p:cNvPicPr>
+            <a:picLocks noGrp="1" noChangeAspect="1"/>
+          </p:cNvPicPr>
           <p:nvPr>
             <p:ph idx="1"/>
           </p:nvPr>
-        </p:nvSpPr>
-        <p:spPr/>
-        <p:txBody>
-          <a:bodyPr/>
-          <a:lstStyle/>
-          <a:p>
-            <a:pPr marL="0" indent="0">
-              <a:buNone/>
-            </a:pPr>
-            <a:endParaRPr lang="hr-HR" dirty="0"/>
-          </a:p>
-        </p:txBody>
-      </p:sp>
+        </p:nvPicPr>
+        <p:blipFill>
+          <a:blip r:embed="rId2"/>
+          <a:stretch>
+            <a:fillRect/>
+          </a:stretch>
+        </p:blipFill>
+        <p:spPr>
+          <a:xfrm>
+            <a:off x="838200" y="3801269"/>
+            <a:ext cx="7934325" cy="2686050"/>
+          </a:xfrm>
+          <a:prstGeom prst="rect">
+            <a:avLst/>
+          </a:prstGeom>
+        </p:spPr>
+      </p:pic>
+      <p:pic>
+        <p:nvPicPr>
+          <p:cNvPr id="4" name="Picture 3"/>
+          <p:cNvPicPr>
+            <a:picLocks noChangeAspect="1"/>
+          </p:cNvPicPr>
+          <p:nvPr/>
+        </p:nvPicPr>
+        <p:blipFill>
+          <a:blip r:embed="rId3"/>
+          <a:stretch>
+            <a:fillRect/>
+          </a:stretch>
+        </p:blipFill>
+        <p:spPr>
+          <a:xfrm>
+            <a:off x="838200" y="1466850"/>
+            <a:ext cx="7943850" cy="2266950"/>
+          </a:xfrm>
+          <a:prstGeom prst="rect">
+            <a:avLst/>
+          </a:prstGeom>
+        </p:spPr>
+      </p:pic>
     </p:spTree>
     <p:extLst>
       <p:ext uri="{BB962C8B-B14F-4D97-AF65-F5344CB8AC3E}">
-        <p14:creationId xmlns:p14="http://schemas.microsoft.com/office/powerpoint/2010/main" val="185782757"/>
+        <p14:creationId xmlns:p14="http://schemas.microsoft.com/office/powerpoint/2010/main" val="2212421900"/>
       </p:ext>
     </p:extLst>
   </p:cSld>
@@ -4272,38 +4526,42 @@
           <a:p>
             <a:r>
               <a:rPr lang="hr-HR" dirty="0" err="1" smtClean="0"/>
-              <a:t>Icons</a:t>
+              <a:t>Forms</a:t>
             </a:r>
             <a:endParaRPr lang="hr-HR" dirty="0"/>
           </a:p>
         </p:txBody>
       </p:sp>
-      <p:sp>
-        <p:nvSpPr>
-          <p:cNvPr id="3" name="Content Placeholder 2"/>
-          <p:cNvSpPr>
-            <a:spLocks noGrp="1"/>
-          </p:cNvSpPr>
+      <p:pic>
+        <p:nvPicPr>
+          <p:cNvPr id="4" name="Content Placeholder 3"/>
+          <p:cNvPicPr>
+            <a:picLocks noGrp="1" noChangeAspect="1"/>
+          </p:cNvPicPr>
           <p:nvPr>
             <p:ph idx="1"/>
           </p:nvPr>
-        </p:nvSpPr>
-        <p:spPr/>
-        <p:txBody>
-          <a:bodyPr/>
-          <a:lstStyle/>
-          <a:p>
-            <a:pPr marL="0" indent="0">
-              <a:buNone/>
-            </a:pPr>
-            <a:endParaRPr lang="hr-HR" dirty="0"/>
-          </a:p>
-        </p:txBody>
-      </p:sp>
+        </p:nvPicPr>
+        <p:blipFill>
+          <a:blip r:embed="rId2"/>
+          <a:stretch>
+            <a:fillRect/>
+          </a:stretch>
+        </p:blipFill>
+        <p:spPr>
+          <a:xfrm>
+            <a:off x="3267075" y="365124"/>
+            <a:ext cx="6858000" cy="6168095"/>
+          </a:xfrm>
+          <a:prstGeom prst="rect">
+            <a:avLst/>
+          </a:prstGeom>
+        </p:spPr>
+      </p:pic>
     </p:spTree>
     <p:extLst>
       <p:ext uri="{BB962C8B-B14F-4D97-AF65-F5344CB8AC3E}">
-        <p14:creationId xmlns:p14="http://schemas.microsoft.com/office/powerpoint/2010/main" val="440607681"/>
+        <p14:creationId xmlns:p14="http://schemas.microsoft.com/office/powerpoint/2010/main" val="678028404"/>
       </p:ext>
     </p:extLst>
   </p:cSld>
@@ -4347,7 +4605,7 @@
           <a:p>
             <a:r>
               <a:rPr lang="hr-HR" dirty="0" err="1" smtClean="0"/>
-              <a:t>Navigation</a:t>
+              <a:t>Images</a:t>
             </a:r>
             <a:endParaRPr lang="hr-HR" dirty="0"/>
           </a:p>
@@ -4363,22 +4621,80 @@
             <p:ph idx="1"/>
           </p:nvPr>
         </p:nvSpPr>
-        <p:spPr/>
-        <p:txBody>
-          <a:bodyPr/>
-          <a:lstStyle/>
-          <a:p>
-            <a:pPr marL="0" indent="0">
-              <a:buNone/>
-            </a:pPr>
+        <p:spPr>
+          <a:xfrm>
+            <a:off x="838200" y="1825625"/>
+            <a:ext cx="5657850" cy="4351338"/>
+          </a:xfrm>
+        </p:spPr>
+        <p:txBody>
+          <a:bodyPr/>
+          <a:lstStyle/>
+          <a:p>
+            <a:r>
+              <a:rPr lang="hr-HR" dirty="0" smtClean="0"/>
+              <a:t>Ukoliko želimo da se veličina slike mijenja sa veličinom ekrana, stavimo klasu </a:t>
+            </a:r>
+            <a:r>
+              <a:rPr lang="hr-HR" dirty="0" err="1" smtClean="0"/>
+              <a:t>img-responsive</a:t>
+            </a:r>
             <a:endParaRPr lang="hr-HR" dirty="0"/>
           </a:p>
         </p:txBody>
       </p:sp>
+      <p:pic>
+        <p:nvPicPr>
+          <p:cNvPr id="4" name="Picture 3"/>
+          <p:cNvPicPr>
+            <a:picLocks noChangeAspect="1"/>
+          </p:cNvPicPr>
+          <p:nvPr/>
+        </p:nvPicPr>
+        <p:blipFill>
+          <a:blip r:embed="rId2"/>
+          <a:stretch>
+            <a:fillRect/>
+          </a:stretch>
+        </p:blipFill>
+        <p:spPr>
+          <a:xfrm>
+            <a:off x="6748462" y="1825625"/>
+            <a:ext cx="4476750" cy="2314575"/>
+          </a:xfrm>
+          <a:prstGeom prst="rect">
+            <a:avLst/>
+          </a:prstGeom>
+        </p:spPr>
+      </p:pic>
+      <p:pic>
+        <p:nvPicPr>
+          <p:cNvPr id="5" name="Picture 4"/>
+          <p:cNvPicPr>
+            <a:picLocks noChangeAspect="1"/>
+          </p:cNvPicPr>
+          <p:nvPr/>
+        </p:nvPicPr>
+        <p:blipFill>
+          <a:blip r:embed="rId3"/>
+          <a:stretch>
+            <a:fillRect/>
+          </a:stretch>
+        </p:blipFill>
+        <p:spPr>
+          <a:xfrm>
+            <a:off x="1100137" y="3414712"/>
+            <a:ext cx="5301505" cy="338137"/>
+          </a:xfrm>
+          <a:prstGeom prst="rect">
+            <a:avLst/>
+          </a:prstGeom>
+        </p:spPr>
+      </p:pic>
     </p:spTree>
     <p:extLst>
       <p:ext uri="{BB962C8B-B14F-4D97-AF65-F5344CB8AC3E}">
-        <p14:creationId xmlns:p14="http://schemas.microsoft.com/office/powerpoint/2010/main" val="1361928274"/>
+        <p14:creationId xmlns:p14="http://schemas.microsoft.com/office/powerpoint/2010/main" val="185782757"/>
       </p:ext>
     </p:extLst>
   </p:cSld>
@@ -4422,7 +4738,15 @@
           <a:p>
             <a:r>
               <a:rPr lang="hr-HR" dirty="0" err="1" smtClean="0"/>
-              <a:t>Modals</a:t>
+              <a:t>Icons</a:t>
+            </a:r>
+            <a:r>
+              <a:rPr lang="hr-HR" dirty="0" smtClean="0"/>
+              <a:t> / </a:t>
+            </a:r>
+            <a:r>
+              <a:rPr lang="hr-HR" dirty="0" err="1" smtClean="0"/>
+              <a:t>Glyphicons</a:t>
             </a:r>
             <a:endParaRPr lang="hr-HR" dirty="0"/>
           </a:p>
@@ -4438,22 +4762,92 @@
             <p:ph idx="1"/>
           </p:nvPr>
         </p:nvSpPr>
-        <p:spPr/>
-        <p:txBody>
-          <a:bodyPr/>
-          <a:lstStyle/>
-          <a:p>
-            <a:pPr marL="0" indent="0">
-              <a:buNone/>
-            </a:pPr>
+        <p:spPr>
+          <a:xfrm>
+            <a:off x="838200" y="1825625"/>
+            <a:ext cx="4029075" cy="3784600"/>
+          </a:xfrm>
+        </p:spPr>
+        <p:txBody>
+          <a:bodyPr/>
+          <a:lstStyle/>
+          <a:p>
+            <a:r>
+              <a:rPr lang="hr-HR" dirty="0" smtClean="0"/>
+              <a:t>Moraju biti vezani na </a:t>
+            </a:r>
+            <a:r>
+              <a:rPr lang="hr-HR" dirty="0" err="1" smtClean="0"/>
+              <a:t>span</a:t>
+            </a:r>
+            <a:r>
+              <a:rPr lang="hr-HR" dirty="0" smtClean="0"/>
+              <a:t> element, no </a:t>
+            </a:r>
+            <a:r>
+              <a:rPr lang="hr-HR" dirty="0" err="1" smtClean="0"/>
+              <a:t>span</a:t>
+            </a:r>
+            <a:r>
+              <a:rPr lang="hr-HR" dirty="0" smtClean="0"/>
+              <a:t> element se može nalaziti unutar drugih elemenata</a:t>
+            </a:r>
             <a:endParaRPr lang="hr-HR" dirty="0"/>
           </a:p>
         </p:txBody>
       </p:sp>
+      <p:pic>
+        <p:nvPicPr>
+          <p:cNvPr id="4" name="Picture 3"/>
+          <p:cNvPicPr>
+            <a:picLocks noChangeAspect="1"/>
+          </p:cNvPicPr>
+          <p:nvPr/>
+        </p:nvPicPr>
+        <p:blipFill>
+          <a:blip r:embed="rId2"/>
+          <a:stretch>
+            <a:fillRect/>
+          </a:stretch>
+        </p:blipFill>
+        <p:spPr>
+          <a:xfrm>
+            <a:off x="5072062" y="365125"/>
+            <a:ext cx="6281738" cy="5822099"/>
+          </a:xfrm>
+          <a:prstGeom prst="rect">
+            <a:avLst/>
+          </a:prstGeom>
+        </p:spPr>
+      </p:pic>
+      <p:pic>
+        <p:nvPicPr>
+          <p:cNvPr id="6" name="Picture 5"/>
+          <p:cNvPicPr>
+            <a:picLocks noChangeAspect="1"/>
+          </p:cNvPicPr>
+          <p:nvPr/>
+        </p:nvPicPr>
+        <p:blipFill>
+          <a:blip r:embed="rId3"/>
+          <a:stretch>
+            <a:fillRect/>
+          </a:stretch>
+        </p:blipFill>
+        <p:spPr>
+          <a:xfrm>
+            <a:off x="369093" y="3691306"/>
+            <a:ext cx="4600575" cy="247650"/>
+          </a:xfrm>
+          <a:prstGeom prst="rect">
+            <a:avLst/>
+          </a:prstGeom>
+        </p:spPr>
+      </p:pic>
     </p:spTree>
     <p:extLst>
       <p:ext uri="{BB962C8B-B14F-4D97-AF65-F5344CB8AC3E}">
-        <p14:creationId xmlns:p14="http://schemas.microsoft.com/office/powerpoint/2010/main" val="1535904162"/>
+        <p14:creationId xmlns:p14="http://schemas.microsoft.com/office/powerpoint/2010/main" val="440607681"/>
       </p:ext>
     </p:extLst>
   </p:cSld>
@@ -4497,38 +4891,66 @@
           <a:p>
             <a:r>
               <a:rPr lang="hr-HR" dirty="0" err="1" smtClean="0"/>
-              <a:t>Alerts</a:t>
+              <a:t>Navigation</a:t>
             </a:r>
             <a:endParaRPr lang="hr-HR" dirty="0"/>
           </a:p>
         </p:txBody>
       </p:sp>
-      <p:sp>
-        <p:nvSpPr>
-          <p:cNvPr id="3" name="Content Placeholder 2"/>
-          <p:cNvSpPr>
-            <a:spLocks noGrp="1"/>
-          </p:cNvSpPr>
+      <p:pic>
+        <p:nvPicPr>
+          <p:cNvPr id="5" name="Content Placeholder 4"/>
+          <p:cNvPicPr>
+            <a:picLocks noGrp="1" noChangeAspect="1"/>
+          </p:cNvPicPr>
           <p:nvPr>
             <p:ph idx="1"/>
           </p:nvPr>
-        </p:nvSpPr>
-        <p:spPr/>
-        <p:txBody>
-          <a:bodyPr/>
-          <a:lstStyle/>
-          <a:p>
-            <a:pPr marL="0" indent="0">
-              <a:buNone/>
-            </a:pPr>
-            <a:endParaRPr lang="hr-HR" dirty="0"/>
-          </a:p>
-        </p:txBody>
-      </p:sp>
+        </p:nvPicPr>
+        <p:blipFill>
+          <a:blip r:embed="rId2"/>
+          <a:stretch>
+            <a:fillRect/>
+          </a:stretch>
+        </p:blipFill>
+        <p:spPr>
+          <a:xfrm>
+            <a:off x="1624012" y="4448969"/>
+            <a:ext cx="7896225" cy="1504950"/>
+          </a:xfrm>
+          <a:prstGeom prst="rect">
+            <a:avLst/>
+          </a:prstGeom>
+        </p:spPr>
+      </p:pic>
+      <p:pic>
+        <p:nvPicPr>
+          <p:cNvPr id="4" name="Picture 3"/>
+          <p:cNvPicPr>
+            <a:picLocks noChangeAspect="1"/>
+          </p:cNvPicPr>
+          <p:nvPr/>
+        </p:nvPicPr>
+        <p:blipFill>
+          <a:blip r:embed="rId3"/>
+          <a:stretch>
+            <a:fillRect/>
+          </a:stretch>
+        </p:blipFill>
+        <p:spPr>
+          <a:xfrm>
+            <a:off x="1652587" y="1471612"/>
+            <a:ext cx="7867650" cy="2409825"/>
+          </a:xfrm>
+          <a:prstGeom prst="rect">
+            <a:avLst/>
+          </a:prstGeom>
+        </p:spPr>
+      </p:pic>
     </p:spTree>
     <p:extLst>
       <p:ext uri="{BB962C8B-B14F-4D97-AF65-F5344CB8AC3E}">
-        <p14:creationId xmlns:p14="http://schemas.microsoft.com/office/powerpoint/2010/main" val="1868463230"/>
+        <p14:creationId xmlns:p14="http://schemas.microsoft.com/office/powerpoint/2010/main" val="1361928274"/>
       </p:ext>
     </p:extLst>
   </p:cSld>
@@ -4572,38 +4994,90 @@
           <a:p>
             <a:r>
               <a:rPr lang="hr-HR" dirty="0" err="1" smtClean="0"/>
-              <a:t>Tooltips</a:t>
+              <a:t>Modals</a:t>
             </a:r>
             <a:endParaRPr lang="hr-HR" dirty="0"/>
           </a:p>
         </p:txBody>
       </p:sp>
-      <p:sp>
-        <p:nvSpPr>
-          <p:cNvPr id="3" name="Content Placeholder 2"/>
-          <p:cNvSpPr>
-            <a:spLocks noGrp="1"/>
-          </p:cNvSpPr>
+      <p:pic>
+        <p:nvPicPr>
+          <p:cNvPr id="5" name="Content Placeholder 4"/>
+          <p:cNvPicPr>
+            <a:picLocks noGrp="1" noChangeAspect="1"/>
+          </p:cNvPicPr>
           <p:nvPr>
             <p:ph idx="1"/>
           </p:nvPr>
-        </p:nvSpPr>
-        <p:spPr/>
-        <p:txBody>
-          <a:bodyPr/>
-          <a:lstStyle/>
-          <a:p>
-            <a:pPr marL="0" indent="0">
-              <a:buNone/>
-            </a:pPr>
-            <a:endParaRPr lang="hr-HR" dirty="0"/>
-          </a:p>
-        </p:txBody>
-      </p:sp>
+        </p:nvPicPr>
+        <p:blipFill>
+          <a:blip r:embed="rId2"/>
+          <a:stretch>
+            <a:fillRect/>
+          </a:stretch>
+        </p:blipFill>
+        <p:spPr>
+          <a:xfrm>
+            <a:off x="438150" y="1690688"/>
+            <a:ext cx="3746783" cy="1887619"/>
+          </a:xfrm>
+          <a:prstGeom prst="rect">
+            <a:avLst/>
+          </a:prstGeom>
+        </p:spPr>
+      </p:pic>
+      <p:pic>
+        <p:nvPicPr>
+          <p:cNvPr id="4" name="Picture 3"/>
+          <p:cNvPicPr>
+            <a:picLocks noChangeAspect="1"/>
+          </p:cNvPicPr>
+          <p:nvPr/>
+        </p:nvPicPr>
+        <p:blipFill>
+          <a:blip r:embed="rId3"/>
+          <a:stretch>
+            <a:fillRect/>
+          </a:stretch>
+        </p:blipFill>
+        <p:spPr>
+          <a:xfrm>
+            <a:off x="4248150" y="485775"/>
+            <a:ext cx="7505700" cy="5848350"/>
+          </a:xfrm>
+          <a:prstGeom prst="rect">
+            <a:avLst/>
+          </a:prstGeom>
+        </p:spPr>
+      </p:pic>
+      <p:pic>
+        <p:nvPicPr>
+          <p:cNvPr id="6" name="Picture 5"/>
+          <p:cNvPicPr>
+            <a:picLocks noChangeAspect="1"/>
+          </p:cNvPicPr>
+          <p:nvPr/>
+        </p:nvPicPr>
+        <p:blipFill>
+          <a:blip r:embed="rId4"/>
+          <a:stretch>
+            <a:fillRect/>
+          </a:stretch>
+        </p:blipFill>
+        <p:spPr>
+          <a:xfrm>
+            <a:off x="438150" y="3742613"/>
+            <a:ext cx="3495675" cy="552450"/>
+          </a:xfrm>
+          <a:prstGeom prst="rect">
+            <a:avLst/>
+          </a:prstGeom>
+        </p:spPr>
+      </p:pic>
     </p:spTree>
     <p:extLst>
       <p:ext uri="{BB962C8B-B14F-4D97-AF65-F5344CB8AC3E}">
-        <p14:creationId xmlns:p14="http://schemas.microsoft.com/office/powerpoint/2010/main" val="2987203801"/>
+        <p14:creationId xmlns:p14="http://schemas.microsoft.com/office/powerpoint/2010/main" val="1535904162"/>
       </p:ext>
     </p:extLst>
   </p:cSld>
@@ -4647,11 +5121,110 @@
           <a:p>
             <a:r>
               <a:rPr lang="hr-HR" dirty="0" err="1" smtClean="0"/>
-              <a:t>Bootstrap</a:t>
-            </a:r>
-            <a:r>
-              <a:rPr lang="hr-HR" dirty="0" smtClean="0"/>
-              <a:t> teme</a:t>
+              <a:t>Alerts</a:t>
+            </a:r>
+            <a:endParaRPr lang="hr-HR" dirty="0"/>
+          </a:p>
+        </p:txBody>
+      </p:sp>
+      <p:pic>
+        <p:nvPicPr>
+          <p:cNvPr id="5" name="Content Placeholder 4"/>
+          <p:cNvPicPr>
+            <a:picLocks noGrp="1" noChangeAspect="1"/>
+          </p:cNvPicPr>
+          <p:nvPr>
+            <p:ph idx="1"/>
+          </p:nvPr>
+        </p:nvPicPr>
+        <p:blipFill>
+          <a:blip r:embed="rId2"/>
+          <a:stretch>
+            <a:fillRect/>
+          </a:stretch>
+        </p:blipFill>
+        <p:spPr>
+          <a:xfrm>
+            <a:off x="2886075" y="4438650"/>
+            <a:ext cx="8630356" cy="1902837"/>
+          </a:xfrm>
+          <a:prstGeom prst="rect">
+            <a:avLst/>
+          </a:prstGeom>
+        </p:spPr>
+      </p:pic>
+      <p:pic>
+        <p:nvPicPr>
+          <p:cNvPr id="4" name="Picture 3"/>
+          <p:cNvPicPr>
+            <a:picLocks noChangeAspect="1"/>
+          </p:cNvPicPr>
+          <p:nvPr/>
+        </p:nvPicPr>
+        <p:blipFill>
+          <a:blip r:embed="rId3"/>
+          <a:stretch>
+            <a:fillRect/>
+          </a:stretch>
+        </p:blipFill>
+        <p:spPr>
+          <a:xfrm>
+            <a:off x="2886075" y="527050"/>
+            <a:ext cx="8630356" cy="3911600"/>
+          </a:xfrm>
+          <a:prstGeom prst="rect">
+            <a:avLst/>
+          </a:prstGeom>
+        </p:spPr>
+      </p:pic>
+    </p:spTree>
+    <p:extLst>
+      <p:ext uri="{BB962C8B-B14F-4D97-AF65-F5344CB8AC3E}">
+        <p14:creationId xmlns:p14="http://schemas.microsoft.com/office/powerpoint/2010/main" val="1868463230"/>
+      </p:ext>
+    </p:extLst>
+  </p:cSld>
+  <p:clrMapOvr>
+    <a:masterClrMapping/>
+  </p:clrMapOvr>
+</p:sld>
+</file>
+
+<file path=ppt/slides/slide19.xml><?xml version="1.0" encoding="utf-8"?>
+<p:sld xmlns:a="http://schemas.openxmlformats.org/drawingml/2006/main" xmlns:r="http://schemas.openxmlformats.org/officeDocument/2006/relationships" xmlns:p="http://schemas.openxmlformats.org/presentationml/2006/main">
+  <p:cSld>
+    <p:spTree>
+      <p:nvGrpSpPr>
+        <p:cNvPr id="1" name=""/>
+        <p:cNvGrpSpPr/>
+        <p:nvPr/>
+      </p:nvGrpSpPr>
+      <p:grpSpPr>
+        <a:xfrm>
+          <a:off x="0" y="0"/>
+          <a:ext cx="0" cy="0"/>
+          <a:chOff x="0" y="0"/>
+          <a:chExt cx="0" cy="0"/>
+        </a:xfrm>
+      </p:grpSpPr>
+      <p:sp>
+        <p:nvSpPr>
+          <p:cNvPr id="2" name="Title 1"/>
+          <p:cNvSpPr>
+            <a:spLocks noGrp="1"/>
+          </p:cNvSpPr>
+          <p:nvPr>
+            <p:ph type="title"/>
+          </p:nvPr>
+        </p:nvSpPr>
+        <p:spPr/>
+        <p:txBody>
+          <a:bodyPr/>
+          <a:lstStyle/>
+          <a:p>
+            <a:r>
+              <a:rPr lang="hr-HR" dirty="0" err="1" smtClean="0"/>
+              <a:t>Tooltips</a:t>
             </a:r>
             <a:endParaRPr lang="hr-HR" dirty="0"/>
           </a:p>
@@ -4679,10 +5252,58 @@
           </a:p>
         </p:txBody>
       </p:sp>
+      <p:pic>
+        <p:nvPicPr>
+          <p:cNvPr id="4" name="Picture 3"/>
+          <p:cNvPicPr>
+            <a:picLocks noChangeAspect="1"/>
+          </p:cNvPicPr>
+          <p:nvPr/>
+        </p:nvPicPr>
+        <p:blipFill>
+          <a:blip r:embed="rId2"/>
+          <a:stretch>
+            <a:fillRect/>
+          </a:stretch>
+        </p:blipFill>
+        <p:spPr>
+          <a:xfrm>
+            <a:off x="2338387" y="1985962"/>
+            <a:ext cx="8316034" cy="642938"/>
+          </a:xfrm>
+          <a:prstGeom prst="rect">
+            <a:avLst/>
+          </a:prstGeom>
+        </p:spPr>
+      </p:pic>
+      <p:pic>
+        <p:nvPicPr>
+          <p:cNvPr id="5" name="Picture 4"/>
+          <p:cNvPicPr>
+            <a:picLocks noChangeAspect="1"/>
+          </p:cNvPicPr>
+          <p:nvPr/>
+        </p:nvPicPr>
+        <p:blipFill>
+          <a:blip r:embed="rId3"/>
+          <a:stretch>
+            <a:fillRect/>
+          </a:stretch>
+        </p:blipFill>
+        <p:spPr>
+          <a:xfrm>
+            <a:off x="2338387" y="2881312"/>
+            <a:ext cx="8379654" cy="2262188"/>
+          </a:xfrm>
+          <a:prstGeom prst="rect">
+            <a:avLst/>
+          </a:prstGeom>
+        </p:spPr>
+      </p:pic>
     </p:spTree>
     <p:extLst>
       <p:ext uri="{BB962C8B-B14F-4D97-AF65-F5344CB8AC3E}">
-        <p14:creationId xmlns:p14="http://schemas.microsoft.com/office/powerpoint/2010/main" val="29502368"/>
+        <p14:creationId xmlns:p14="http://schemas.microsoft.com/office/powerpoint/2010/main" val="2987203801"/>
       </p:ext>
     </p:extLst>
   </p:cSld>
@@ -4941,6 +5562,142 @@
 </p:sld>
 </file>
 
+<file path=ppt/slides/slide20.xml><?xml version="1.0" encoding="utf-8"?>
+<p:sld xmlns:a="http://schemas.openxmlformats.org/drawingml/2006/main" xmlns:r="http://schemas.openxmlformats.org/officeDocument/2006/relationships" xmlns:p="http://schemas.openxmlformats.org/presentationml/2006/main">
+  <p:cSld>
+    <p:spTree>
+      <p:nvGrpSpPr>
+        <p:cNvPr id="1" name=""/>
+        <p:cNvGrpSpPr/>
+        <p:nvPr/>
+      </p:nvGrpSpPr>
+      <p:grpSpPr>
+        <a:xfrm>
+          <a:off x="0" y="0"/>
+          <a:ext cx="0" cy="0"/>
+          <a:chOff x="0" y="0"/>
+          <a:chExt cx="0" cy="0"/>
+        </a:xfrm>
+      </p:grpSpPr>
+      <p:sp>
+        <p:nvSpPr>
+          <p:cNvPr id="2" name="Title 1"/>
+          <p:cNvSpPr>
+            <a:spLocks noGrp="1"/>
+          </p:cNvSpPr>
+          <p:nvPr>
+            <p:ph type="title"/>
+          </p:nvPr>
+        </p:nvSpPr>
+        <p:spPr/>
+        <p:txBody>
+          <a:bodyPr/>
+          <a:lstStyle/>
+          <a:p>
+            <a:r>
+              <a:rPr lang="hr-HR" dirty="0" err="1" smtClean="0"/>
+              <a:t>Bootstrap</a:t>
+            </a:r>
+            <a:r>
+              <a:rPr lang="hr-HR" dirty="0" smtClean="0"/>
+              <a:t> teme</a:t>
+            </a:r>
+            <a:endParaRPr lang="hr-HR" dirty="0"/>
+          </a:p>
+        </p:txBody>
+      </p:sp>
+      <p:sp>
+        <p:nvSpPr>
+          <p:cNvPr id="3" name="Content Placeholder 2"/>
+          <p:cNvSpPr>
+            <a:spLocks noGrp="1"/>
+          </p:cNvSpPr>
+          <p:nvPr>
+            <p:ph idx="1"/>
+          </p:nvPr>
+        </p:nvSpPr>
+        <p:spPr/>
+        <p:txBody>
+          <a:bodyPr/>
+          <a:lstStyle/>
+          <a:p>
+            <a:r>
+              <a:rPr lang="hr-HR" dirty="0" smtClean="0"/>
+              <a:t>Moguće preuzeti teme koje mijenjaju dizajn, odnosno izgled stranica</a:t>
+            </a:r>
+          </a:p>
+          <a:p>
+            <a:r>
+              <a:rPr lang="hr-HR" dirty="0" smtClean="0"/>
+              <a:t>Mnoge dodaju i nove mogućnosti i komponente</a:t>
+            </a:r>
+          </a:p>
+          <a:p>
+            <a:r>
+              <a:rPr lang="hr-HR" dirty="0">
+                <a:hlinkClick r:id="rId2"/>
+              </a:rPr>
+              <a:t>https://</a:t>
+            </a:r>
+            <a:r>
+              <a:rPr lang="hr-HR" dirty="0" smtClean="0">
+                <a:hlinkClick r:id="rId2"/>
+              </a:rPr>
+              <a:t>themes.getbootstrap.com/collections/all</a:t>
+            </a:r>
+            <a:endParaRPr lang="hr-HR" dirty="0" smtClean="0"/>
+          </a:p>
+          <a:p>
+            <a:r>
+              <a:rPr lang="hr-HR" dirty="0">
+                <a:hlinkClick r:id="rId3"/>
+              </a:rPr>
+              <a:t>http://getbootstrap.com/getting-started/#</a:t>
+            </a:r>
+            <a:r>
+              <a:rPr lang="hr-HR" dirty="0" smtClean="0">
+                <a:hlinkClick r:id="rId3"/>
+              </a:rPr>
+              <a:t>examples</a:t>
+            </a:r>
+            <a:endParaRPr lang="hr-HR" dirty="0" smtClean="0"/>
+          </a:p>
+          <a:p>
+            <a:r>
+              <a:rPr lang="hr-HR" dirty="0">
+                <a:hlinkClick r:id="rId4"/>
+              </a:rPr>
+              <a:t>https://startbootstrap.com</a:t>
+            </a:r>
+            <a:r>
+              <a:rPr lang="hr-HR" dirty="0" smtClean="0">
+                <a:hlinkClick r:id="rId4"/>
+              </a:rPr>
+              <a:t>/</a:t>
+            </a:r>
+            <a:endParaRPr lang="hr-HR" dirty="0" smtClean="0"/>
+          </a:p>
+          <a:p>
+            <a:endParaRPr lang="hr-HR" dirty="0" smtClean="0"/>
+          </a:p>
+          <a:p>
+            <a:endParaRPr lang="hr-HR" dirty="0"/>
+          </a:p>
+        </p:txBody>
+      </p:sp>
+    </p:spTree>
+    <p:extLst>
+      <p:ext uri="{BB962C8B-B14F-4D97-AF65-F5344CB8AC3E}">
+        <p14:creationId xmlns:p14="http://schemas.microsoft.com/office/powerpoint/2010/main" val="29502368"/>
+      </p:ext>
+    </p:extLst>
+  </p:cSld>
+  <p:clrMapOvr>
+    <a:masterClrMapping/>
+  </p:clrMapOvr>
+</p:sld>
+</file>
+
 <file path=ppt/slides/slide3.xml><?xml version="1.0" encoding="utf-8"?>
 <p:sld xmlns:a="http://schemas.openxmlformats.org/drawingml/2006/main" xmlns:r="http://schemas.openxmlformats.org/officeDocument/2006/relationships" xmlns:p="http://schemas.openxmlformats.org/presentationml/2006/main">
   <p:cSld>
@@ -4991,7 +5748,12 @@
             <p:ph idx="1"/>
           </p:nvPr>
         </p:nvSpPr>
-        <p:spPr/>
+        <p:spPr>
+          <a:xfrm>
+            <a:off x="7362824" y="1825625"/>
+            <a:ext cx="3990975" cy="4351338"/>
+          </a:xfrm>
+        </p:spPr>
         <p:txBody>
           <a:bodyPr>
             <a:normAutofit lnSpcReduction="10000"/>
@@ -5123,6 +5885,30 @@
           </a:p>
         </p:txBody>
       </p:sp>
+      <p:pic>
+        <p:nvPicPr>
+          <p:cNvPr id="4" name="Picture 3"/>
+          <p:cNvPicPr>
+            <a:picLocks noChangeAspect="1"/>
+          </p:cNvPicPr>
+          <p:nvPr/>
+        </p:nvPicPr>
+        <p:blipFill>
+          <a:blip r:embed="rId3"/>
+          <a:stretch>
+            <a:fillRect/>
+          </a:stretch>
+        </p:blipFill>
+        <p:spPr>
+          <a:xfrm>
+            <a:off x="738187" y="1690687"/>
+            <a:ext cx="6434137" cy="4701615"/>
+          </a:xfrm>
+          <a:prstGeom prst="rect">
+            <a:avLst/>
+          </a:prstGeom>
+        </p:spPr>
+      </p:pic>
     </p:spTree>
     <p:extLst>
       <p:ext uri="{BB962C8B-B14F-4D97-AF65-F5344CB8AC3E}">
@@ -5241,6 +6027,30 @@
           </a:p>
         </p:txBody>
       </p:sp>
+      <p:pic>
+        <p:nvPicPr>
+          <p:cNvPr id="4" name="Picture 3"/>
+          <p:cNvPicPr>
+            <a:picLocks noChangeAspect="1"/>
+          </p:cNvPicPr>
+          <p:nvPr/>
+        </p:nvPicPr>
+        <p:blipFill>
+          <a:blip r:embed="rId3"/>
+          <a:stretch>
+            <a:fillRect/>
+          </a:stretch>
+        </p:blipFill>
+        <p:spPr>
+          <a:xfrm>
+            <a:off x="1343025" y="3557587"/>
+            <a:ext cx="8980100" cy="2754313"/>
+          </a:xfrm>
+          <a:prstGeom prst="rect">
+            <a:avLst/>
+          </a:prstGeom>
+        </p:spPr>
+      </p:pic>
     </p:spTree>
     <p:extLst>
       <p:ext uri="{BB962C8B-B14F-4D97-AF65-F5344CB8AC3E}">
@@ -5339,6 +6149,30 @@
           </a:p>
         </p:txBody>
       </p:sp>
+      <p:pic>
+        <p:nvPicPr>
+          <p:cNvPr id="4" name="Picture 3"/>
+          <p:cNvPicPr>
+            <a:picLocks noChangeAspect="1"/>
+          </p:cNvPicPr>
+          <p:nvPr/>
+        </p:nvPicPr>
+        <p:blipFill>
+          <a:blip r:embed="rId3"/>
+          <a:stretch>
+            <a:fillRect/>
+          </a:stretch>
+        </p:blipFill>
+        <p:spPr>
+          <a:xfrm>
+            <a:off x="3357562" y="2281237"/>
+            <a:ext cx="8490233" cy="3690938"/>
+          </a:xfrm>
+          <a:prstGeom prst="rect">
+            <a:avLst/>
+          </a:prstGeom>
+        </p:spPr>
+      </p:pic>
     </p:spTree>
     <p:extLst>
       <p:ext uri="{BB962C8B-B14F-4D97-AF65-F5344CB8AC3E}">
@@ -5547,6 +6381,30 @@
           </a:p>
         </p:txBody>
       </p:sp>
+      <p:pic>
+        <p:nvPicPr>
+          <p:cNvPr id="4" name="Picture 3"/>
+          <p:cNvPicPr>
+            <a:picLocks noChangeAspect="1"/>
+          </p:cNvPicPr>
+          <p:nvPr/>
+        </p:nvPicPr>
+        <p:blipFill>
+          <a:blip r:embed="rId4"/>
+          <a:stretch>
+            <a:fillRect/>
+          </a:stretch>
+        </p:blipFill>
+        <p:spPr>
+          <a:xfrm>
+            <a:off x="838200" y="3429000"/>
+            <a:ext cx="9925050" cy="2550572"/>
+          </a:xfrm>
+          <a:prstGeom prst="rect">
+            <a:avLst/>
+          </a:prstGeom>
+        </p:spPr>
+      </p:pic>
     </p:spTree>
     <p:extLst>
       <p:ext uri="{BB962C8B-B14F-4D97-AF65-F5344CB8AC3E}">
@@ -5600,65 +6458,121 @@
           <a:lstStyle/>
           <a:p>
             <a:r>
+              <a:rPr lang="hr-HR" dirty="0" smtClean="0"/>
+              <a:t>Grid system</a:t>
+            </a:r>
+            <a:endParaRPr lang="hr-HR" dirty="0"/>
+          </a:p>
+        </p:txBody>
+      </p:sp>
+      <p:sp>
+        <p:nvSpPr>
+          <p:cNvPr id="3" name="Content Placeholder 2"/>
+          <p:cNvSpPr>
+            <a:spLocks noGrp="1"/>
+          </p:cNvSpPr>
+          <p:nvPr>
+            <p:ph idx="1"/>
+          </p:nvPr>
+        </p:nvSpPr>
+        <p:spPr/>
+        <p:txBody>
+          <a:bodyPr/>
+          <a:lstStyle/>
+          <a:p>
+            <a:r>
+              <a:rPr lang="hr-HR" dirty="0" smtClean="0"/>
+              <a:t>Zbroj za pojedini </a:t>
+            </a:r>
+            <a:r>
               <a:rPr lang="hr-HR" dirty="0" err="1" smtClean="0"/>
-              <a:t>Layout</a:t>
-            </a:r>
-            <a:endParaRPr lang="hr-HR" dirty="0"/>
-          </a:p>
-        </p:txBody>
-      </p:sp>
-      <p:sp>
-        <p:nvSpPr>
-          <p:cNvPr id="3" name="Content Placeholder 2"/>
-          <p:cNvSpPr>
-            <a:spLocks noGrp="1"/>
-          </p:cNvSpPr>
-          <p:nvPr>
-            <p:ph idx="1"/>
-          </p:nvPr>
-        </p:nvSpPr>
-        <p:spPr/>
-        <p:txBody>
-          <a:bodyPr/>
-          <a:lstStyle/>
-          <a:p>
-            <a:r>
-              <a:rPr lang="hr-HR" dirty="0" smtClean="0"/>
-              <a:t>Fluid</a:t>
-            </a:r>
-          </a:p>
-          <a:p>
-            <a:r>
-              <a:rPr lang="hr-HR" dirty="0" err="1" smtClean="0"/>
-              <a:t>Fixed</a:t>
+              <a:t>prefix</a:t>
+            </a:r>
+            <a:r>
+              <a:rPr lang="hr-HR" dirty="0" smtClean="0"/>
+              <a:t> iznosi 12 za jedan red</a:t>
+            </a:r>
+          </a:p>
+          <a:p>
+            <a:r>
+              <a:rPr lang="hr-HR" dirty="0" smtClean="0"/>
+              <a:t>Moguće kombinirati za različite veličine ekrana</a:t>
+            </a:r>
+          </a:p>
+          <a:p>
+            <a:r>
+              <a:rPr lang="hr-HR" dirty="0" smtClean="0"/>
+              <a:t>Moguće ostaviti prazne prostore</a:t>
             </a:r>
             <a:endParaRPr lang="hr-HR" dirty="0" smtClean="0"/>
           </a:p>
-          <a:p>
-            <a:r>
-              <a:rPr lang="hr-HR" dirty="0" err="1" smtClean="0"/>
-              <a:t>Responsive</a:t>
-            </a:r>
-            <a:endParaRPr lang="hr-HR" dirty="0" smtClean="0"/>
-          </a:p>
-          <a:p>
-            <a:pPr marL="0" indent="0">
-              <a:buNone/>
-            </a:pPr>
-            <a:endParaRPr lang="hr-HR" dirty="0"/>
-          </a:p>
-        </p:txBody>
-      </p:sp>
+        </p:txBody>
+      </p:sp>
+      <p:pic>
+        <p:nvPicPr>
+          <p:cNvPr id="5" name="Picture 4"/>
+          <p:cNvPicPr>
+            <a:picLocks noChangeAspect="1"/>
+          </p:cNvPicPr>
+          <p:nvPr/>
+        </p:nvPicPr>
+        <p:blipFill>
+          <a:blip r:embed="rId3"/>
+          <a:stretch>
+            <a:fillRect/>
+          </a:stretch>
+        </p:blipFill>
+        <p:spPr>
+          <a:xfrm>
+            <a:off x="1171574" y="3417887"/>
+            <a:ext cx="9070703" cy="1166813"/>
+          </a:xfrm>
+          <a:prstGeom prst="rect">
+            <a:avLst/>
+          </a:prstGeom>
+        </p:spPr>
+      </p:pic>
+      <p:pic>
+        <p:nvPicPr>
+          <p:cNvPr id="6" name="Picture 5"/>
+          <p:cNvPicPr>
+            <a:picLocks noChangeAspect="1"/>
+          </p:cNvPicPr>
+          <p:nvPr/>
+        </p:nvPicPr>
+        <p:blipFill>
+          <a:blip r:embed="rId4"/>
+          <a:stretch>
+            <a:fillRect/>
+          </a:stretch>
+        </p:blipFill>
+        <p:spPr>
+          <a:xfrm>
+            <a:off x="1171574" y="4660900"/>
+            <a:ext cx="9153526" cy="1796202"/>
+          </a:xfrm>
+          <a:prstGeom prst="rect">
+            <a:avLst/>
+          </a:prstGeom>
+        </p:spPr>
+      </p:pic>
     </p:spTree>
     <p:extLst>
       <p:ext uri="{BB962C8B-B14F-4D97-AF65-F5344CB8AC3E}">
-        <p14:creationId xmlns:p14="http://schemas.microsoft.com/office/powerpoint/2010/main" val="1252097821"/>
+        <p14:creationId xmlns:p14="http://schemas.microsoft.com/office/powerpoint/2010/main" val="3917991054"/>
       </p:ext>
     </p:extLst>
   </p:cSld>
   <p:clrMapOvr>
     <a:masterClrMapping/>
   </p:clrMapOvr>
+  <p:timing>
+    <p:tnLst>
+      <p:par>
+        <p:cTn id="1" dur="indefinite" restart="never" nodeType="tmRoot"/>
+      </p:par>
+    </p:tnLst>
+  </p:timing>
 </p:sld>
 </file>
 
@@ -5695,39 +6609,43 @@
           <a:lstStyle/>
           <a:p>
             <a:r>
-              <a:rPr lang="hr-HR" dirty="0" err="1" smtClean="0"/>
-              <a:t>Typography</a:t>
+              <a:rPr lang="hr-HR" dirty="0" smtClean="0"/>
+              <a:t>Skrivanje elemenata</a:t>
             </a:r>
             <a:endParaRPr lang="hr-HR" dirty="0"/>
           </a:p>
         </p:txBody>
       </p:sp>
-      <p:sp>
-        <p:nvSpPr>
-          <p:cNvPr id="3" name="Content Placeholder 2"/>
-          <p:cNvSpPr>
-            <a:spLocks noGrp="1"/>
-          </p:cNvSpPr>
+      <p:pic>
+        <p:nvPicPr>
+          <p:cNvPr id="5" name="Content Placeholder 4"/>
+          <p:cNvPicPr>
+            <a:picLocks noGrp="1" noChangeAspect="1"/>
+          </p:cNvPicPr>
           <p:nvPr>
             <p:ph idx="1"/>
           </p:nvPr>
-        </p:nvSpPr>
-        <p:spPr/>
-        <p:txBody>
-          <a:bodyPr/>
-          <a:lstStyle/>
-          <a:p>
-            <a:pPr marL="0" indent="0">
-              <a:buNone/>
-            </a:pPr>
-            <a:endParaRPr lang="hr-HR" dirty="0"/>
-          </a:p>
-        </p:txBody>
-      </p:sp>
+        </p:nvPicPr>
+        <p:blipFill>
+          <a:blip r:embed="rId2"/>
+          <a:stretch>
+            <a:fillRect/>
+          </a:stretch>
+        </p:blipFill>
+        <p:spPr>
+          <a:xfrm>
+            <a:off x="1582473" y="2066925"/>
+            <a:ext cx="8934450" cy="3829050"/>
+          </a:xfrm>
+          <a:prstGeom prst="rect">
+            <a:avLst/>
+          </a:prstGeom>
+        </p:spPr>
+      </p:pic>
     </p:spTree>
     <p:extLst>
       <p:ext uri="{BB962C8B-B14F-4D97-AF65-F5344CB8AC3E}">
-        <p14:creationId xmlns:p14="http://schemas.microsoft.com/office/powerpoint/2010/main" val="104565353"/>
+        <p14:creationId xmlns:p14="http://schemas.microsoft.com/office/powerpoint/2010/main" val="836965507"/>
       </p:ext>
     </p:extLst>
   </p:cSld>
